--- a/NaiveBayes/NaiveBayes.pptx
+++ b/NaiveBayes/NaiveBayes.pptx
@@ -222,7 +222,7 @@
           <a:p>
             <a:fld id="{1516E89A-0F2B-F243-9740-A7CD063C5A26}" type="datetimeFigureOut">
               <a:rPr lang="en-US" smtClean="0"/>
-              <a:t>1/6/18</a:t>
+              <a:t>1/7/18</a:t>
             </a:fld>
             <a:endParaRPr lang="en-US"/>
           </a:p>
@@ -1460,7 +1460,7 @@
           <a:p>
             <a:fld id="{84CC78F9-0E11-4441-8D42-9D057CA2CD84}" type="datetimeFigureOut">
               <a:rPr lang="en-US" smtClean="0"/>
-              <a:t>1/6/18</a:t>
+              <a:t>1/7/18</a:t>
             </a:fld>
             <a:endParaRPr lang="en-US"/>
           </a:p>
@@ -1630,7 +1630,7 @@
           <a:p>
             <a:fld id="{84CC78F9-0E11-4441-8D42-9D057CA2CD84}" type="datetimeFigureOut">
               <a:rPr lang="en-US" smtClean="0"/>
-              <a:t>1/6/18</a:t>
+              <a:t>1/7/18</a:t>
             </a:fld>
             <a:endParaRPr lang="en-US"/>
           </a:p>
@@ -1810,7 +1810,7 @@
           <a:p>
             <a:fld id="{84CC78F9-0E11-4441-8D42-9D057CA2CD84}" type="datetimeFigureOut">
               <a:rPr lang="en-US" smtClean="0"/>
-              <a:t>1/6/18</a:t>
+              <a:t>1/7/18</a:t>
             </a:fld>
             <a:endParaRPr lang="en-US"/>
           </a:p>
@@ -1980,7 +1980,7 @@
           <a:p>
             <a:fld id="{84CC78F9-0E11-4441-8D42-9D057CA2CD84}" type="datetimeFigureOut">
               <a:rPr lang="en-US" smtClean="0"/>
-              <a:t>1/6/18</a:t>
+              <a:t>1/7/18</a:t>
             </a:fld>
             <a:endParaRPr lang="en-US"/>
           </a:p>
@@ -2226,7 +2226,7 @@
           <a:p>
             <a:fld id="{84CC78F9-0E11-4441-8D42-9D057CA2CD84}" type="datetimeFigureOut">
               <a:rPr lang="en-US" smtClean="0"/>
-              <a:t>1/6/18</a:t>
+              <a:t>1/7/18</a:t>
             </a:fld>
             <a:endParaRPr lang="en-US"/>
           </a:p>
@@ -2458,7 +2458,7 @@
           <a:p>
             <a:fld id="{84CC78F9-0E11-4441-8D42-9D057CA2CD84}" type="datetimeFigureOut">
               <a:rPr lang="en-US" smtClean="0"/>
-              <a:t>1/6/18</a:t>
+              <a:t>1/7/18</a:t>
             </a:fld>
             <a:endParaRPr lang="en-US"/>
           </a:p>
@@ -2825,7 +2825,7 @@
           <a:p>
             <a:fld id="{84CC78F9-0E11-4441-8D42-9D057CA2CD84}" type="datetimeFigureOut">
               <a:rPr lang="en-US" smtClean="0"/>
-              <a:t>1/6/18</a:t>
+              <a:t>1/7/18</a:t>
             </a:fld>
             <a:endParaRPr lang="en-US"/>
           </a:p>
@@ -2943,7 +2943,7 @@
           <a:p>
             <a:fld id="{84CC78F9-0E11-4441-8D42-9D057CA2CD84}" type="datetimeFigureOut">
               <a:rPr lang="en-US" smtClean="0"/>
-              <a:t>1/6/18</a:t>
+              <a:t>1/7/18</a:t>
             </a:fld>
             <a:endParaRPr lang="en-US"/>
           </a:p>
@@ -3038,7 +3038,7 @@
           <a:p>
             <a:fld id="{84CC78F9-0E11-4441-8D42-9D057CA2CD84}" type="datetimeFigureOut">
               <a:rPr lang="en-US" smtClean="0"/>
-              <a:t>1/6/18</a:t>
+              <a:t>1/7/18</a:t>
             </a:fld>
             <a:endParaRPr lang="en-US"/>
           </a:p>
@@ -3315,7 +3315,7 @@
           <a:p>
             <a:fld id="{84CC78F9-0E11-4441-8D42-9D057CA2CD84}" type="datetimeFigureOut">
               <a:rPr lang="en-US" smtClean="0"/>
-              <a:t>1/6/18</a:t>
+              <a:t>1/7/18</a:t>
             </a:fld>
             <a:endParaRPr lang="en-US"/>
           </a:p>
@@ -3568,7 +3568,7 @@
           <a:p>
             <a:fld id="{84CC78F9-0E11-4441-8D42-9D057CA2CD84}" type="datetimeFigureOut">
               <a:rPr lang="en-US" smtClean="0"/>
-              <a:t>1/6/18</a:t>
+              <a:t>1/7/18</a:t>
             </a:fld>
             <a:endParaRPr lang="en-US"/>
           </a:p>
@@ -3781,7 +3781,7 @@
           <a:p>
             <a:fld id="{84CC78F9-0E11-4441-8D42-9D057CA2CD84}" type="datetimeFigureOut">
               <a:rPr lang="en-US" smtClean="0"/>
-              <a:t>1/6/18</a:t>
+              <a:t>1/7/18</a:t>
             </a:fld>
             <a:endParaRPr lang="en-US"/>
           </a:p>
@@ -4203,7 +4203,30 @@
           <a:p>
             <a:r>
               <a:rPr lang="zh-CN" altLang="en-US" dirty="0" smtClean="0"/>
-              <a:t>朴素贝叶斯</a:t>
+              <a:t>朴素贝叶</a:t>
+            </a:r>
+            <a:r>
+              <a:rPr lang="zh-CN" altLang="en-US" dirty="0" smtClean="0"/>
+              <a:t>斯</a:t>
+            </a:r>
+            <a:r>
+              <a:rPr lang="en-US" altLang="zh-CN" dirty="0" smtClean="0"/>
+              <a:t/>
+            </a:r>
+            <a:br>
+              <a:rPr lang="en-US" altLang="zh-CN" dirty="0" smtClean="0"/>
+            </a:br>
+            <a:r>
+              <a:rPr lang="en-US" altLang="zh-CN" dirty="0" smtClean="0"/>
+              <a:t>Naïve</a:t>
+            </a:r>
+            <a:r>
+              <a:rPr lang="zh-CN" altLang="en-US" dirty="0" smtClean="0"/>
+              <a:t> </a:t>
+            </a:r>
+            <a:r>
+              <a:rPr lang="en-US" altLang="zh-CN" dirty="0" smtClean="0"/>
+              <a:t>Bayes</a:t>
             </a:r>
             <a:endParaRPr lang="en-US" dirty="0"/>
           </a:p>
@@ -4303,8 +4326,8 @@
           </a:prstGeom>
         </p:spPr>
       </p:pic>
-      <mc:AlternateContent xmlns:mc="http://schemas.openxmlformats.org/markup-compatibility/2006">
-        <mc:Choice xmlns:a14="http://schemas.microsoft.com/office/drawing/2010/main" Requires="a14">
+      <mc:AlternateContent xmlns:mc="http://schemas.openxmlformats.org/markup-compatibility/2006" xmlns:a14="http://schemas.microsoft.com/office/drawing/2010/main">
+        <mc:Choice Requires="a14">
           <p:sp>
             <p:nvSpPr>
               <p:cNvPr id="5" name="TextBox 4"/>
@@ -4333,11 +4356,7 @@
                 </a:pPr>
                 <a:r>
                   <a:rPr lang="en-US" altLang="zh-CN" sz="3200" dirty="0" smtClean="0"/>
-                  <a:t>P(y</a:t>
-                </a:r>
-                <a:r>
-                  <a:rPr lang="en-US" altLang="zh-CN" sz="3200" dirty="0" smtClean="0"/>
-                  <a:t>)</a:t>
+                  <a:t>P(y)</a:t>
                 </a:r>
                 <a:r>
                   <a:rPr lang="zh-CN" altLang="en-US" sz="3200" dirty="0" smtClean="0"/>
@@ -4474,7 +4493,7 @@
             </p:txBody>
           </p:sp>
         </mc:Choice>
-        <mc:Fallback>
+        <mc:Fallback xmlns="">
           <p:sp>
             <p:nvSpPr>
               <p:cNvPr id="5" name="TextBox 4"/>
@@ -4683,8 +4702,8 @@
           </a:p>
         </p:txBody>
       </p:sp>
-      <mc:AlternateContent xmlns:mc="http://schemas.openxmlformats.org/markup-compatibility/2006">
-        <mc:Choice xmlns:a14="http://schemas.microsoft.com/office/drawing/2010/main" Requires="a14">
+      <mc:AlternateContent xmlns:mc="http://schemas.openxmlformats.org/markup-compatibility/2006" xmlns:a14="http://schemas.microsoft.com/office/drawing/2010/main">
+        <mc:Choice Requires="a14">
           <p:sp>
             <p:nvSpPr>
               <p:cNvPr id="3" name="Content Placeholder 2"/>
@@ -4904,7 +4923,7 @@
                     <m:d>
                       <m:dPr>
                         <m:ctrlPr>
-                          <a:rPr lang="en-US" altLang="zh-CN" b="0" i="0" smtClean="0">
+                          <a:rPr lang="en-US" altLang="zh-CN" b="0" i="1" smtClean="0">
                             <a:latin typeface="Cambria Math" charset="0"/>
                           </a:rPr>
                         </m:ctrlPr>
@@ -5163,7 +5182,7 @@
             </p:txBody>
           </p:sp>
         </mc:Choice>
-        <mc:Fallback>
+        <mc:Fallback xmlns="">
           <p:sp>
             <p:nvSpPr>
               <p:cNvPr id="3" name="Content Placeholder 2"/>
@@ -5535,8 +5554,8 @@
           </a:p>
         </p:txBody>
       </p:sp>
-      <mc:AlternateContent xmlns:mc="http://schemas.openxmlformats.org/markup-compatibility/2006">
-        <mc:Choice xmlns:a14="http://schemas.microsoft.com/office/drawing/2010/main" Requires="a14">
+      <mc:AlternateContent xmlns:mc="http://schemas.openxmlformats.org/markup-compatibility/2006" xmlns:a14="http://schemas.microsoft.com/office/drawing/2010/main">
+        <mc:Choice Requires="a14">
           <p:sp>
             <p:nvSpPr>
               <p:cNvPr id="3" name="Content Placeholder 2"/>
@@ -5893,7 +5912,7 @@
             </p:txBody>
           </p:sp>
         </mc:Choice>
-        <mc:Fallback>
+        <mc:Fallback xmlns="">
           <p:sp>
             <p:nvSpPr>
               <p:cNvPr id="3" name="Content Placeholder 2"/>
@@ -6481,8 +6500,8 @@
           </a:p>
         </p:txBody>
       </p:sp>
-      <mc:AlternateContent xmlns:mc="http://schemas.openxmlformats.org/markup-compatibility/2006">
-        <mc:Choice xmlns:a14="http://schemas.microsoft.com/office/drawing/2010/main" Requires="a14">
+      <mc:AlternateContent xmlns:mc="http://schemas.openxmlformats.org/markup-compatibility/2006" xmlns:a14="http://schemas.microsoft.com/office/drawing/2010/main">
+        <mc:Choice Requires="a14">
           <p:sp>
             <p:nvSpPr>
               <p:cNvPr id="3" name="Content Placeholder 2"/>
@@ -6601,7 +6620,7 @@
             </p:txBody>
           </p:sp>
         </mc:Choice>
-        <mc:Fallback>
+        <mc:Fallback xmlns="">
           <p:sp>
             <p:nvSpPr>
               <p:cNvPr id="3" name="Content Placeholder 2"/>
@@ -6817,11 +6836,7 @@
           <a:p>
             <a:r>
               <a:rPr lang="zh-CN" altLang="en-US" dirty="0" smtClean="0"/>
-              <a:t>朴素贝叶斯理论推导</a:t>
-            </a:r>
-            <a:r>
-              <a:rPr lang="zh-CN" altLang="en-US" dirty="0" smtClean="0"/>
-              <a:t>（</a:t>
+              <a:t>朴素贝叶斯理论推导（</a:t>
             </a:r>
             <a:r>
               <a:rPr lang="en-US" altLang="zh-CN" dirty="0"/>
@@ -6835,8 +6850,8 @@
           </a:p>
         </p:txBody>
       </p:sp>
-      <mc:AlternateContent xmlns:mc="http://schemas.openxmlformats.org/markup-compatibility/2006">
-        <mc:Choice xmlns:a14="http://schemas.microsoft.com/office/drawing/2010/main" Requires="a14">
+      <mc:AlternateContent xmlns:mc="http://schemas.openxmlformats.org/markup-compatibility/2006" xmlns:a14="http://schemas.microsoft.com/office/drawing/2010/main">
+        <mc:Choice Requires="a14">
           <p:sp>
             <p:nvSpPr>
               <p:cNvPr id="3" name="Content Placeholder 2"/>
@@ -7013,7 +7028,7 @@
             </p:txBody>
           </p:sp>
         </mc:Choice>
-        <mc:Fallback>
+        <mc:Fallback xmlns="">
           <p:sp>
             <p:nvSpPr>
               <p:cNvPr id="3" name="Content Placeholder 2"/>
@@ -7132,33 +7147,21 @@
           <a:p>
             <a:r>
               <a:rPr lang="zh-CN" altLang="en-US" dirty="0" smtClean="0"/>
-              <a:t>多项式</a:t>
-            </a:r>
+              <a:t>多项式模型（处理离散型数据）</a:t>
+            </a:r>
+            <a:endParaRPr lang="en-US" altLang="zh-CN" dirty="0" smtClean="0"/>
+          </a:p>
+          <a:p>
             <a:r>
               <a:rPr lang="zh-CN" altLang="en-US" dirty="0" smtClean="0"/>
-              <a:t>模型（处理离散型数据）</a:t>
+              <a:t>高斯模型（处理连续型数据）</a:t>
             </a:r>
             <a:endParaRPr lang="en-US" altLang="zh-CN" dirty="0" smtClean="0"/>
           </a:p>
           <a:p>
             <a:r>
               <a:rPr lang="zh-CN" altLang="en-US" dirty="0" smtClean="0"/>
-              <a:t>高斯</a:t>
-            </a:r>
-            <a:r>
-              <a:rPr lang="zh-CN" altLang="en-US" dirty="0" smtClean="0"/>
-              <a:t>模型（处理连续型数据）</a:t>
-            </a:r>
-            <a:endParaRPr lang="en-US" altLang="zh-CN" dirty="0" smtClean="0"/>
-          </a:p>
-          <a:p>
-            <a:r>
-              <a:rPr lang="zh-CN" altLang="en-US" dirty="0" smtClean="0"/>
-              <a:t>伯努利</a:t>
-            </a:r>
-            <a:r>
-              <a:rPr lang="zh-CN" altLang="en-US" dirty="0" smtClean="0"/>
-              <a:t>模型（处理</a:t>
+              <a:t>伯努利模型（处理</a:t>
             </a:r>
             <a:r>
               <a:rPr lang="zh-CN" altLang="en-US" dirty="0"/>
@@ -7232,8 +7235,8 @@
           </a:p>
         </p:txBody>
       </p:sp>
-      <mc:AlternateContent xmlns:mc="http://schemas.openxmlformats.org/markup-compatibility/2006">
-        <mc:Choice xmlns:a14="http://schemas.microsoft.com/office/drawing/2010/main" Requires="a14">
+      <mc:AlternateContent xmlns:mc="http://schemas.openxmlformats.org/markup-compatibility/2006" xmlns:a14="http://schemas.microsoft.com/office/drawing/2010/main">
+        <mc:Choice Requires="a14">
           <p:sp>
             <p:nvSpPr>
               <p:cNvPr id="3" name="Content Placeholder 2"/>
@@ -7873,11 +7876,7 @@
                 </a:r>
                 <a:r>
                   <a:rPr lang="zh-CN" altLang="en-US" sz="2000" dirty="0" smtClean="0"/>
-                  <a:t>维特征</a:t>
-                </a:r>
-                <a:r>
-                  <a:rPr lang="zh-CN" altLang="en-US" sz="2000" dirty="0" smtClean="0"/>
-                  <a:t>的个数，其他同上。</a:t>
+                  <a:t>维特征的个数，其他同上。</a:t>
                 </a:r>
                 <a:endParaRPr lang="en-US" altLang="zh-CN" sz="2000" dirty="0"/>
               </a:p>
@@ -8077,7 +8076,7 @@
             </p:txBody>
           </p:sp>
         </mc:Choice>
-        <mc:Fallback>
+        <mc:Fallback xmlns="">
           <p:sp>
             <p:nvSpPr>
               <p:cNvPr id="3" name="Content Placeholder 2"/>
@@ -9220,18 +9219,14 @@
             </a:r>
             <a:r>
               <a:rPr lang="zh-CN" altLang="en-US" dirty="0" smtClean="0"/>
-              <a:t>条件</a:t>
-            </a:r>
-            <a:r>
-              <a:rPr lang="zh-CN" altLang="en-US" dirty="0" smtClean="0"/>
-              <a:t>概率</a:t>
+              <a:t>条件概率</a:t>
             </a:r>
             <a:endParaRPr lang="en-US" altLang="zh-CN" dirty="0" smtClean="0"/>
           </a:p>
         </p:txBody>
       </p:sp>
-      <mc:AlternateContent xmlns:mc="http://schemas.openxmlformats.org/markup-compatibility/2006">
-        <mc:Choice xmlns:a14="http://schemas.microsoft.com/office/drawing/2010/main" Requires="a14">
+      <mc:AlternateContent xmlns:mc="http://schemas.openxmlformats.org/markup-compatibility/2006" xmlns:a14="http://schemas.microsoft.com/office/drawing/2010/main">
+        <mc:Choice Requires="a14">
           <p:sp>
             <p:nvSpPr>
               <p:cNvPr id="7" name="TextBox 6"/>
@@ -9367,7 +9362,7 @@
             </p:txBody>
           </p:sp>
         </mc:Choice>
-        <mc:Fallback>
+        <mc:Fallback xmlns="">
           <p:sp>
             <p:nvSpPr>
               <p:cNvPr id="7" name="TextBox 6"/>
@@ -9642,11 +9637,7 @@
           <a:p>
             <a:r>
               <a:rPr lang="zh-CN" altLang="en-US" dirty="0" smtClean="0"/>
-              <a:t>联合概率：</a:t>
-            </a:r>
-            <a:r>
-              <a:rPr lang="zh-CN" altLang="en-US" dirty="0" smtClean="0"/>
-              <a:t>包含多个条件且所有条件同时成立的概率</a:t>
+              <a:t>联合概率：包含多个条件且所有条件同时成立的概率</a:t>
             </a:r>
             <a:endParaRPr lang="en-US" altLang="zh-CN" dirty="0" smtClean="0"/>
           </a:p>
@@ -9836,8 +9827,8 @@
           </a:p>
         </p:txBody>
       </p:sp>
-      <mc:AlternateContent xmlns:mc="http://schemas.openxmlformats.org/markup-compatibility/2006">
-        <mc:Choice xmlns:a14="http://schemas.microsoft.com/office/drawing/2010/main" Requires="a14">
+      <mc:AlternateContent xmlns:mc="http://schemas.openxmlformats.org/markup-compatibility/2006" xmlns:a14="http://schemas.microsoft.com/office/drawing/2010/main">
+        <mc:Choice Requires="a14">
           <p:sp>
             <p:nvSpPr>
               <p:cNvPr id="3" name="Content Placeholder 2"/>
@@ -10367,7 +10358,7 @@
             </p:txBody>
           </p:sp>
         </mc:Choice>
-        <mc:Fallback>
+        <mc:Fallback xmlns="">
           <p:sp>
             <p:nvSpPr>
               <p:cNvPr id="3" name="Content Placeholder 2"/>
@@ -14241,18 +14232,14 @@
           <a:p>
             <a:r>
               <a:rPr lang="zh-CN" altLang="en-US" dirty="0" smtClean="0"/>
-              <a:t>贝叶斯</a:t>
-            </a:r>
-            <a:r>
-              <a:rPr lang="zh-CN" altLang="en-US" dirty="0" smtClean="0"/>
-              <a:t>公式</a:t>
+              <a:t>贝叶斯公式</a:t>
             </a:r>
             <a:endParaRPr lang="en-US" dirty="0"/>
           </a:p>
         </p:txBody>
       </p:sp>
-      <mc:AlternateContent xmlns:mc="http://schemas.openxmlformats.org/markup-compatibility/2006">
-        <mc:Choice xmlns:a14="http://schemas.microsoft.com/office/drawing/2010/main" Requires="a14">
+      <mc:AlternateContent xmlns:mc="http://schemas.openxmlformats.org/markup-compatibility/2006" xmlns:a14="http://schemas.microsoft.com/office/drawing/2010/main">
+        <mc:Choice Requires="a14">
           <p:sp>
             <p:nvSpPr>
               <p:cNvPr id="4" name="TextBox 3"/>
@@ -14419,7 +14406,7 @@
             </p:txBody>
           </p:sp>
         </mc:Choice>
-        <mc:Fallback>
+        <mc:Fallback xmlns="">
           <p:sp>
             <p:nvSpPr>
               <p:cNvPr id="4" name="TextBox 3"/>
@@ -16661,17 +16648,7 @@
                 <a:effectLst/>
                 <a:latin typeface="microsoft yahei" charset="-122"/>
               </a:rPr>
-              <a:t>维特征，</a:t>
-            </a:r>
-            <a:r>
-              <a:rPr lang="zh-CN" altLang="en-US" b="0" i="0" dirty="0" smtClean="0">
-                <a:solidFill>
-                  <a:srgbClr val="3F3F3F"/>
-                </a:solidFill>
-                <a:effectLst/>
-                <a:latin typeface="microsoft yahei" charset="-122"/>
-              </a:rPr>
-              <a:t>即</a:t>
+              <a:t>维特征，即</a:t>
             </a:r>
             <a:r>
               <a:rPr lang="en-US" altLang="zh-CN" b="0" i="0" dirty="0" smtClean="0">
